--- a/Prezentacija/Autentifikacijska kriptografija.pptx
+++ b/Prezentacija/Autentifikacijska kriptografija.pptx
@@ -305,7 +305,7 @@
           <a:p>
             <a:fld id="{C03347EC-68AD-4E74-B092-69BA4F19AA23}" type="datetimeFigureOut">
               <a:rPr lang="hr-HR" smtClean="0"/>
-              <a:t>18.10.2016.</a:t>
+              <a:t>20.10.2016.</a:t>
             </a:fld>
             <a:endParaRPr lang="hr-HR"/>
           </a:p>
@@ -580,7 +580,7 @@
           <a:p>
             <a:fld id="{C03347EC-68AD-4E74-B092-69BA4F19AA23}" type="datetimeFigureOut">
               <a:rPr lang="hr-HR" smtClean="0"/>
-              <a:t>18.10.2016.</a:t>
+              <a:t>20.10.2016.</a:t>
             </a:fld>
             <a:endParaRPr lang="hr-HR"/>
           </a:p>
@@ -774,7 +774,7 @@
           <a:p>
             <a:fld id="{C03347EC-68AD-4E74-B092-69BA4F19AA23}" type="datetimeFigureOut">
               <a:rPr lang="hr-HR" smtClean="0"/>
-              <a:t>18.10.2016.</a:t>
+              <a:t>20.10.2016.</a:t>
             </a:fld>
             <a:endParaRPr lang="hr-HR"/>
           </a:p>
@@ -1047,7 +1047,7 @@
           <a:p>
             <a:fld id="{C03347EC-68AD-4E74-B092-69BA4F19AA23}" type="datetimeFigureOut">
               <a:rPr lang="hr-HR" smtClean="0"/>
-              <a:t>18.10.2016.</a:t>
+              <a:t>20.10.2016.</a:t>
             </a:fld>
             <a:endParaRPr lang="hr-HR"/>
           </a:p>
@@ -1388,7 +1388,7 @@
           <a:p>
             <a:fld id="{C03347EC-68AD-4E74-B092-69BA4F19AA23}" type="datetimeFigureOut">
               <a:rPr lang="hr-HR" smtClean="0"/>
-              <a:t>18.10.2016.</a:t>
+              <a:t>20.10.2016.</a:t>
             </a:fld>
             <a:endParaRPr lang="hr-HR"/>
           </a:p>
@@ -2011,7 +2011,7 @@
           <a:p>
             <a:fld id="{C03347EC-68AD-4E74-B092-69BA4F19AA23}" type="datetimeFigureOut">
               <a:rPr lang="hr-HR" smtClean="0"/>
-              <a:t>18.10.2016.</a:t>
+              <a:t>20.10.2016.</a:t>
             </a:fld>
             <a:endParaRPr lang="hr-HR"/>
           </a:p>
@@ -2871,7 +2871,7 @@
           <a:p>
             <a:fld id="{C03347EC-68AD-4E74-B092-69BA4F19AA23}" type="datetimeFigureOut">
               <a:rPr lang="hr-HR" smtClean="0"/>
-              <a:t>18.10.2016.</a:t>
+              <a:t>20.10.2016.</a:t>
             </a:fld>
             <a:endParaRPr lang="hr-HR"/>
           </a:p>
@@ -3041,7 +3041,7 @@
           <a:p>
             <a:fld id="{C03347EC-68AD-4E74-B092-69BA4F19AA23}" type="datetimeFigureOut">
               <a:rPr lang="hr-HR" smtClean="0"/>
-              <a:t>18.10.2016.</a:t>
+              <a:t>20.10.2016.</a:t>
             </a:fld>
             <a:endParaRPr lang="hr-HR"/>
           </a:p>
@@ -3221,7 +3221,7 @@
           <a:p>
             <a:fld id="{C03347EC-68AD-4E74-B092-69BA4F19AA23}" type="datetimeFigureOut">
               <a:rPr lang="hr-HR" smtClean="0"/>
-              <a:t>18.10.2016.</a:t>
+              <a:t>20.10.2016.</a:t>
             </a:fld>
             <a:endParaRPr lang="hr-HR"/>
           </a:p>
@@ -3391,7 +3391,7 @@
           <a:p>
             <a:fld id="{C03347EC-68AD-4E74-B092-69BA4F19AA23}" type="datetimeFigureOut">
               <a:rPr lang="hr-HR" smtClean="0"/>
-              <a:t>18.10.2016.</a:t>
+              <a:t>20.10.2016.</a:t>
             </a:fld>
             <a:endParaRPr lang="hr-HR"/>
           </a:p>
@@ -3638,7 +3638,7 @@
           <a:p>
             <a:fld id="{C03347EC-68AD-4E74-B092-69BA4F19AA23}" type="datetimeFigureOut">
               <a:rPr lang="hr-HR" smtClean="0"/>
-              <a:t>18.10.2016.</a:t>
+              <a:t>20.10.2016.</a:t>
             </a:fld>
             <a:endParaRPr lang="hr-HR"/>
           </a:p>
@@ -3930,7 +3930,7 @@
           <a:p>
             <a:fld id="{C03347EC-68AD-4E74-B092-69BA4F19AA23}" type="datetimeFigureOut">
               <a:rPr lang="hr-HR" smtClean="0"/>
-              <a:t>18.10.2016.</a:t>
+              <a:t>20.10.2016.</a:t>
             </a:fld>
             <a:endParaRPr lang="hr-HR"/>
           </a:p>
@@ -4374,7 +4374,7 @@
           <a:p>
             <a:fld id="{C03347EC-68AD-4E74-B092-69BA4F19AA23}" type="datetimeFigureOut">
               <a:rPr lang="hr-HR" smtClean="0"/>
-              <a:t>18.10.2016.</a:t>
+              <a:t>20.10.2016.</a:t>
             </a:fld>
             <a:endParaRPr lang="hr-HR"/>
           </a:p>
@@ -4492,7 +4492,7 @@
           <a:p>
             <a:fld id="{C03347EC-68AD-4E74-B092-69BA4F19AA23}" type="datetimeFigureOut">
               <a:rPr lang="hr-HR" smtClean="0"/>
-              <a:t>18.10.2016.</a:t>
+              <a:t>20.10.2016.</a:t>
             </a:fld>
             <a:endParaRPr lang="hr-HR"/>
           </a:p>
@@ -4587,7 +4587,7 @@
           <a:p>
             <a:fld id="{C03347EC-68AD-4E74-B092-69BA4F19AA23}" type="datetimeFigureOut">
               <a:rPr lang="hr-HR" smtClean="0"/>
-              <a:t>18.10.2016.</a:t>
+              <a:t>20.10.2016.</a:t>
             </a:fld>
             <a:endParaRPr lang="hr-HR"/>
           </a:p>
@@ -4866,7 +4866,7 @@
           <a:p>
             <a:fld id="{C03347EC-68AD-4E74-B092-69BA4F19AA23}" type="datetimeFigureOut">
               <a:rPr lang="hr-HR" smtClean="0"/>
-              <a:t>18.10.2016.</a:t>
+              <a:t>20.10.2016.</a:t>
             </a:fld>
             <a:endParaRPr lang="hr-HR"/>
           </a:p>
@@ -5141,7 +5141,7 @@
           <a:p>
             <a:fld id="{C03347EC-68AD-4E74-B092-69BA4F19AA23}" type="datetimeFigureOut">
               <a:rPr lang="hr-HR" smtClean="0"/>
-              <a:t>18.10.2016.</a:t>
+              <a:t>20.10.2016.</a:t>
             </a:fld>
             <a:endParaRPr lang="hr-HR"/>
           </a:p>
@@ -5570,7 +5570,7 @@
           <a:p>
             <a:fld id="{C03347EC-68AD-4E74-B092-69BA4F19AA23}" type="datetimeFigureOut">
               <a:rPr lang="hr-HR" smtClean="0"/>
-              <a:t>18.10.2016.</a:t>
+              <a:t>20.10.2016.</a:t>
             </a:fld>
             <a:endParaRPr lang="hr-HR"/>
           </a:p>
@@ -7372,8 +7372,12 @@
           <a:lstStyle/>
           <a:p>
             <a:r>
+              <a:rPr lang="hr-HR" sz="2800" dirty="0" err="1"/>
+              <a:t>Ciphertext</a:t>
+            </a:r>
+            <a:r>
               <a:rPr lang="hr-HR" sz="2800" dirty="0"/>
-              <a:t>Sažetak, C = </a:t>
+              <a:t>, C = </a:t>
             </a:r>
             <a:r>
               <a:rPr lang="hr-HR" sz="2800" dirty="0" err="1"/>
@@ -7484,8 +7488,12 @@
           <a:lstStyle/>
           <a:p>
             <a:r>
+              <a:rPr lang="hr-HR" sz="2800" dirty="0" err="1"/>
+              <a:t>Ciphertext</a:t>
+            </a:r>
+            <a:r>
               <a:rPr lang="hr-HR" sz="2800" dirty="0"/>
-              <a:t>Sažetak C</a:t>
+              <a:t> C</a:t>
             </a:r>
           </a:p>
           <a:p>
@@ -7771,8 +7779,8 @@
         </p:nvSpPr>
         <p:spPr>
           <a:xfrm>
-            <a:off x="6679095" y="5539408"/>
-            <a:ext cx="2054087" cy="523220"/>
+            <a:off x="6474151" y="5577428"/>
+            <a:ext cx="2458278" cy="523220"/>
           </a:xfrm>
           <a:prstGeom prst="rect">
             <a:avLst/>
@@ -7800,8 +7808,12 @@
           <a:p>
             <a:pPr algn="ctr"/>
             <a:r>
+              <a:rPr lang="hr-HR" sz="2800" dirty="0" err="1"/>
+              <a:t>Ciphertext</a:t>
+            </a:r>
+            <a:r>
               <a:rPr lang="hr-HR" sz="2800" dirty="0"/>
-              <a:t>Sažetak C</a:t>
+              <a:t> C</a:t>
             </a:r>
           </a:p>
         </p:txBody>
@@ -8349,7 +8361,7 @@
         <p:spPr>
           <a:xfrm>
             <a:off x="4426225" y="4816924"/>
-            <a:ext cx="2054087" cy="523220"/>
+            <a:ext cx="2411897" cy="523220"/>
           </a:xfrm>
           <a:prstGeom prst="rect">
             <a:avLst/>
@@ -8377,8 +8389,12 @@
           <a:p>
             <a:pPr algn="ctr"/>
             <a:r>
+              <a:rPr lang="hr-HR" sz="2800" dirty="0" err="1"/>
+              <a:t>Ciphertext</a:t>
+            </a:r>
+            <a:r>
               <a:rPr lang="hr-HR" sz="2800" dirty="0"/>
-              <a:t>Sažetak C</a:t>
+              <a:t> C</a:t>
             </a:r>
           </a:p>
         </p:txBody>
@@ -8463,8 +8479,8 @@
         </p:nvSpPr>
         <p:spPr>
           <a:xfrm>
-            <a:off x="8226219" y="3922643"/>
-            <a:ext cx="2054087" cy="523220"/>
+            <a:off x="7845287" y="3922643"/>
+            <a:ext cx="2435019" cy="523220"/>
           </a:xfrm>
           <a:prstGeom prst="rect">
             <a:avLst/>
@@ -8492,8 +8508,12 @@
           <a:p>
             <a:pPr algn="ctr"/>
             <a:r>
+              <a:rPr lang="hr-HR" sz="2800" dirty="0" err="1"/>
+              <a:t>Ciphertext</a:t>
+            </a:r>
+            <a:r>
               <a:rPr lang="hr-HR" sz="2800" dirty="0"/>
-              <a:t>Sažetak C</a:t>
+              <a:t> C</a:t>
             </a:r>
           </a:p>
         </p:txBody>
@@ -9001,8 +9021,8 @@
         </p:nvSpPr>
         <p:spPr>
           <a:xfrm>
-            <a:off x="5143063" y="3328012"/>
-            <a:ext cx="2054087" cy="523220"/>
+            <a:off x="4770783" y="3328012"/>
+            <a:ext cx="2426367" cy="523220"/>
           </a:xfrm>
           <a:prstGeom prst="rect">
             <a:avLst/>
@@ -9030,8 +9050,12 @@
           <a:p>
             <a:pPr algn="ctr"/>
             <a:r>
+              <a:rPr lang="hr-HR" sz="2800" dirty="0" err="1"/>
+              <a:t>Ciphertext</a:t>
+            </a:r>
+            <a:r>
               <a:rPr lang="hr-HR" sz="2800" dirty="0"/>
-              <a:t>Sažetak C</a:t>
+              <a:t> C</a:t>
             </a:r>
           </a:p>
         </p:txBody>
@@ -9090,7 +9114,7 @@
         <p:spPr>
           <a:xfrm>
             <a:off x="3157399" y="3589622"/>
-            <a:ext cx="1985664" cy="12700"/>
+            <a:ext cx="1613384" cy="12700"/>
           </a:xfrm>
           <a:prstGeom prst="curvedConnector3">
             <a:avLst/>
@@ -9195,8 +9219,8 @@
         </p:nvSpPr>
         <p:spPr>
           <a:xfrm>
-            <a:off x="6170106" y="5498176"/>
-            <a:ext cx="2054087" cy="523220"/>
+            <a:off x="5817704" y="5498176"/>
+            <a:ext cx="2406489" cy="523220"/>
           </a:xfrm>
           <a:prstGeom prst="rect">
             <a:avLst/>
@@ -9224,8 +9248,12 @@
           <a:p>
             <a:pPr algn="ctr"/>
             <a:r>
+              <a:rPr lang="hr-HR" sz="2800" dirty="0" err="1"/>
+              <a:t>Ciphertext</a:t>
+            </a:r>
+            <a:r>
               <a:rPr lang="hr-HR" sz="2800" dirty="0"/>
-              <a:t>Sažetak C</a:t>
+              <a:t> C</a:t>
             </a:r>
           </a:p>
         </p:txBody>
